--- a/ML-Homework 3.pptx
+++ b/ML-Homework 3.pptx
@@ -8079,8 +8079,8 @@
         </p:blipFill>
         <p:spPr>
           <a:xfrm>
-            <a:off x="311725" y="727513"/>
-            <a:ext cx="6379000" cy="3688475"/>
+            <a:off x="916750" y="661275"/>
+            <a:ext cx="7310500" cy="4152300"/>
           </a:xfrm>
           <a:prstGeom prst="rect">
             <a:avLst/>
@@ -8091,94 +8091,6 @@
           </a:ln>
         </p:spPr>
       </p:pic>
-      <p:sp>
-        <p:nvSpPr>
-          <p:cNvPr id="158" name="Google Shape;158;p26"/>
-          <p:cNvSpPr txBox="1"/>
-          <p:nvPr>
-            <p:ph idx="1" type="body"/>
-          </p:nvPr>
-        </p:nvSpPr>
-        <p:spPr>
-          <a:xfrm>
-            <a:off x="6785400" y="727525"/>
-            <a:ext cx="2358600" cy="3320700"/>
-          </a:xfrm>
-          <a:prstGeom prst="rect">
-            <a:avLst/>
-          </a:prstGeom>
-        </p:spPr>
-        <p:txBody>
-          <a:bodyPr anchorCtr="0" anchor="t" bIns="91425" lIns="91425" spcFirstLastPara="1" rIns="91425" wrap="square" tIns="91425">
-            <a:normAutofit fontScale="62500"/>
-          </a:bodyPr>
-          <a:lstStyle/>
-          <a:p>
-            <a:pPr indent="0" lvl="0" marL="0" rtl="0" algn="l">
-              <a:spcBef>
-                <a:spcPts val="0"/>
-              </a:spcBef>
-              <a:spcAft>
-                <a:spcPts val="0"/>
-              </a:spcAft>
-              <a:buNone/>
-            </a:pPr>
-            <a:r>
-              <a:rPr lang="it">
-                <a:solidFill>
-                  <a:schemeClr val="dk1"/>
-                </a:solidFill>
-                <a:latin typeface="Roboto"/>
-                <a:ea typeface="Roboto"/>
-                <a:cs typeface="Roboto"/>
-                <a:sym typeface="Roboto"/>
-              </a:rPr>
-              <a:t>Nota: I processi ‘dominant’ e ‘random’ non hanno raggiunto la convergenza entro il limite massimo di tempo (12 ore) imposto dalla piattaforma Kaggle.</a:t>
-            </a:r>
-            <a:endParaRPr>
-              <a:solidFill>
-                <a:schemeClr val="dk1"/>
-              </a:solidFill>
-              <a:latin typeface="Roboto"/>
-              <a:ea typeface="Roboto"/>
-              <a:cs typeface="Roboto"/>
-              <a:sym typeface="Roboto"/>
-            </a:endParaRPr>
-          </a:p>
-          <a:p>
-            <a:pPr indent="0" lvl="0" marL="0" rtl="0" algn="l">
-              <a:spcBef>
-                <a:spcPts val="1200"/>
-              </a:spcBef>
-              <a:spcAft>
-                <a:spcPts val="1200"/>
-              </a:spcAft>
-              <a:buNone/>
-            </a:pPr>
-            <a:r>
-              <a:rPr lang="it">
-                <a:solidFill>
-                  <a:schemeClr val="dk1"/>
-                </a:solidFill>
-                <a:latin typeface="Roboto"/>
-                <a:ea typeface="Roboto"/>
-                <a:cs typeface="Roboto"/>
-                <a:sym typeface="Roboto"/>
-              </a:rPr>
-              <a:t>Pertanto, non è possibile fornire una stima attendibile della loro accuracy finale. Tuttavia, in esperimenti preliminari condotti su un dataset ridotto e utilizzando una rete MLP meno profonda, entrambi i processi hanno mostrato prestazioni inferiori rispetto alle trasformazioni ‘color’ e ‘inpaint’.</a:t>
-            </a:r>
-            <a:endParaRPr>
-              <a:solidFill>
-                <a:schemeClr val="dk1"/>
-              </a:solidFill>
-              <a:latin typeface="Roboto"/>
-              <a:ea typeface="Roboto"/>
-              <a:cs typeface="Roboto"/>
-              <a:sym typeface="Roboto"/>
-            </a:endParaRPr>
-          </a:p>
-        </p:txBody>
-      </p:sp>
     </p:spTree>
   </p:cSld>
   <p:clrMapOvr>
